--- a/RTBPacingTechniques.pptx
+++ b/RTBPacingTechniques.pptx
@@ -598,7 +598,7 @@
             <a:fld id="{7D0065BE-0657-4A47-90AD-C21C55E16B19}" type="datetime4">
               <a:rPr lang="en-US" smtClean="0"/>
               <a:pPr/>
-              <a:t>March 11, 2016</a:t>
+              <a:t>November 8, 2016</a:t>
             </a:fld>
             <a:endParaRPr lang="en-US"/>
           </a:p>
@@ -765,7 +765,7 @@
             <a:fld id="{A16C3AA4-67BE-44F7-809A-3582401494AF}" type="datetime4">
               <a:rPr lang="en-US" smtClean="0"/>
               <a:pPr/>
-              <a:t>March 11, 2016</a:t>
+              <a:t>November 8, 2016</a:t>
             </a:fld>
             <a:endParaRPr lang="en-US"/>
           </a:p>
@@ -942,7 +942,7 @@
             <a:fld id="{25172EEB-1769-4776-AD69-E7C1260563EB}" type="datetime4">
               <a:rPr lang="en-US" smtClean="0"/>
               <a:pPr/>
-              <a:t>March 11, 2016</a:t>
+              <a:t>November 8, 2016</a:t>
             </a:fld>
             <a:endParaRPr lang="en-US"/>
           </a:p>
@@ -1109,7 +1109,7 @@
             <a:fld id="{D47BB8AF-C16A-4836-A92D-61834B5F0BA5}" type="datetime4">
               <a:rPr lang="en-US" smtClean="0"/>
               <a:pPr/>
-              <a:t>March 11, 2016</a:t>
+              <a:t>November 8, 2016</a:t>
             </a:fld>
             <a:endParaRPr lang="en-US"/>
           </a:p>
@@ -1664,7 +1664,7 @@
             <a:fld id="{647D2193-4505-4A75-99BB-880C6989A757}" type="datetime4">
               <a:rPr lang="en-US" smtClean="0"/>
               <a:pPr/>
-              <a:t>March 11, 2016</a:t>
+              <a:t>November 8, 2016</a:t>
             </a:fld>
             <a:endParaRPr lang="en-US"/>
           </a:p>
@@ -1926,7 +1926,7 @@
             <a:fld id="{113A18F4-33C3-445B-924C-31108C51719C}" type="datetime4">
               <a:rPr lang="en-US" smtClean="0"/>
               <a:pPr/>
-              <a:t>March 11, 2016</a:t>
+              <a:t>November 8, 2016</a:t>
             </a:fld>
             <a:endParaRPr lang="en-US"/>
           </a:p>
@@ -2416,7 +2416,7 @@
             <a:fld id="{3AF7543A-E259-478F-9E0D-57BA40E442B7}" type="datetime4">
               <a:rPr lang="en-US" smtClean="0"/>
               <a:pPr/>
-              <a:t>March 11, 2016</a:t>
+              <a:t>November 8, 2016</a:t>
             </a:fld>
             <a:endParaRPr lang="en-US"/>
           </a:p>
@@ -2531,7 +2531,7 @@
             <a:fld id="{1EFB012D-77A1-44B0-BB26-329BA1EE55C9}" type="datetime4">
               <a:rPr lang="en-US" smtClean="0"/>
               <a:pPr/>
-              <a:t>March 11, 2016</a:t>
+              <a:t>November 8, 2016</a:t>
             </a:fld>
             <a:endParaRPr lang="en-US"/>
           </a:p>
@@ -2623,7 +2623,7 @@
             <a:fld id="{94B7499E-3031-413E-B01E-B94970708CAA}" type="datetime4">
               <a:rPr lang="en-US" smtClean="0"/>
               <a:pPr/>
-              <a:t>March 11, 2016</a:t>
+              <a:t>November 8, 2016</a:t>
             </a:fld>
             <a:endParaRPr lang="en-US"/>
           </a:p>
@@ -3055,7 +3055,7 @@
             <a:fld id="{DC7EAB0C-2220-4D0E-A0DD-DB7FA0F742F4}" type="datetime4">
               <a:rPr lang="en-US" smtClean="0"/>
               <a:pPr/>
-              <a:t>March 11, 2016</a:t>
+              <a:t>November 8, 2016</a:t>
             </a:fld>
             <a:endParaRPr lang="en-US"/>
           </a:p>
@@ -3590,7 +3590,7 @@
             <a:fld id="{E3416D63-31BF-4B94-B6C5-E20B2C63F515}" type="datetime4">
               <a:rPr lang="en-US" smtClean="0"/>
               <a:pPr/>
-              <a:t>March 11, 2016</a:t>
+              <a:t>November 8, 2016</a:t>
             </a:fld>
             <a:endParaRPr lang="en-US"/>
           </a:p>
@@ -4432,7 +4432,7 @@
             <a:fld id="{62B1B13E-D5AF-485E-81A1-82A140076526}" type="datetime4">
               <a:rPr lang="en-US" smtClean="0"/>
               <a:pPr/>
-              <a:t>March 11, 2016</a:t>
+              <a:t>November 8, 2016</a:t>
             </a:fld>
             <a:endParaRPr lang="en-US" dirty="0"/>
           </a:p>
@@ -4871,7 +4871,11 @@
           <a:p>
             <a:r>
               <a:rPr lang="en-US" dirty="0" smtClean="0"/>
-              <a:t>A summary of research advances</a:t>
+              <a:t>The state of</a:t>
+            </a:r>
+            <a:r>
+              <a:rPr lang="en-US" dirty="0" smtClean="0"/>
+              <a:t> AD TECH research</a:t>
             </a:r>
             <a:endParaRPr lang="en-US" dirty="0"/>
           </a:p>
@@ -5471,7 +5475,19 @@
           <a:p>
             <a:r>
               <a:rPr lang="en-US" dirty="0" smtClean="0"/>
-              <a:t>Let ad see 100% of auctions</a:t>
+              <a:t>100</a:t>
+            </a:r>
+            <a:r>
+              <a:rPr lang="en-US" dirty="0" smtClean="0"/>
+              <a:t>% </a:t>
+            </a:r>
+            <a:r>
+              <a:rPr lang="en-US" dirty="0" smtClean="0"/>
+              <a:t>of eligible </a:t>
+            </a:r>
+            <a:r>
+              <a:rPr lang="en-US" dirty="0" smtClean="0"/>
+              <a:t>auctions</a:t>
             </a:r>
             <a:endParaRPr lang="en-US" dirty="0"/>
           </a:p>
@@ -5779,7 +5795,7 @@
         <p:spPr>
           <a:xfrm>
             <a:off x="4189428" y="3366448"/>
-            <a:ext cx="2402032" cy="369332"/>
+            <a:ext cx="2505501" cy="369332"/>
           </a:xfrm>
           <a:prstGeom prst="rect">
             <a:avLst/>
@@ -5794,7 +5810,7 @@
           <a:p>
             <a:r>
               <a:rPr lang="en-US" dirty="0" smtClean="0"/>
-              <a:t>Try to finish by hour 22</a:t>
+              <a:t>Finish majority of spend</a:t>
             </a:r>
             <a:endParaRPr lang="en-US" dirty="0"/>
           </a:p>
@@ -5890,7 +5906,11 @@
             <a:pPr algn="ctr"/>
             <a:r>
               <a:rPr lang="en-US" sz="3500" dirty="0" smtClean="0"/>
-              <a:t>Controller</a:t>
+              <a:t>Control </a:t>
+            </a:r>
+            <a:r>
+              <a:rPr lang="en-US" sz="3500" dirty="0" err="1" smtClean="0"/>
+              <a:t>SystemS</a:t>
             </a:r>
             <a:endParaRPr lang="en-US" sz="3500" dirty="0"/>
           </a:p>
@@ -5992,7 +6012,11 @@
             </a:pPr>
             <a:r>
               <a:rPr lang="en-US" sz="2000" dirty="0" smtClean="0"/>
-              <a:t>We want to spend exactly </a:t>
+              <a:t>Want </a:t>
+            </a:r>
+            <a:r>
+              <a:rPr lang="en-US" sz="2000" dirty="0" smtClean="0"/>
+              <a:t>to spend exactly </a:t>
             </a:r>
             <a:r>
               <a:rPr lang="en-US" sz="2000" i="1" dirty="0" smtClean="0"/>
@@ -6267,7 +6291,7 @@
         </p:spPr>
         <p:txBody>
           <a:bodyPr>
-            <a:normAutofit lnSpcReduction="10000"/>
+            <a:normAutofit fontScale="92500" lnSpcReduction="10000"/>
           </a:bodyPr>
           <a:lstStyle/>
           <a:p>
@@ -6286,11 +6310,15 @@
             </a:r>
             <a:r>
               <a:rPr lang="en-US" sz="2000" b="0" dirty="0"/>
-              <a:t>influences budget </a:t>
+              <a:t>influences </a:t>
             </a:r>
             <a:r>
               <a:rPr lang="en-US" sz="2000" b="0" dirty="0" smtClean="0"/>
-              <a:t>spend (*)</a:t>
+              <a:t>spend </a:t>
+            </a:r>
+            <a:r>
+              <a:rPr lang="en-US" sz="2000" b="0" dirty="0" smtClean="0"/>
+              <a:t>(*)</a:t>
             </a:r>
           </a:p>
           <a:p>
@@ -6299,7 +6327,15 @@
             </a:pPr>
             <a:r>
               <a:rPr lang="en-US" sz="2000" b="0" dirty="0" smtClean="0"/>
-              <a:t>Bid modification does not work all the time because of the reserve price established by the publisher</a:t>
+              <a:t>Bid modification </a:t>
+            </a:r>
+            <a:r>
+              <a:rPr lang="en-US" sz="2000" b="0" dirty="0" smtClean="0"/>
+              <a:t>must take account of business rules in the auction space such as the </a:t>
+            </a:r>
+            <a:r>
+              <a:rPr lang="en-US" sz="2000" b="0" dirty="0" smtClean="0"/>
+              <a:t>reserve price established by the publisher</a:t>
             </a:r>
           </a:p>
           <a:p>
@@ -6319,15 +6355,31 @@
             <a:pPr marL="0" indent="0"/>
             <a:r>
               <a:rPr lang="en-US" sz="2000" dirty="0" smtClean="0"/>
-              <a:t>From this point on, we will use probabilistic throttling or </a:t>
+              <a:t>From this point on, we will use probabilistic </a:t>
+            </a:r>
+            <a:r>
+              <a:rPr lang="en-US" sz="2000" dirty="0" smtClean="0"/>
+              <a:t>throttling (</a:t>
             </a:r>
             <a:r>
               <a:rPr lang="en-US" sz="2000" i="1" dirty="0" smtClean="0"/>
-              <a:t>p </a:t>
-            </a:r>
-            <a:r>
-              <a:rPr lang="en-US" sz="2000" dirty="0" smtClean="0"/>
-              <a:t>the pacing rate as the actuator in our controllers.</a:t>
+              <a:t>p, </a:t>
+            </a:r>
+            <a:r>
+              <a:rPr lang="en-US" sz="2000" dirty="0" smtClean="0"/>
+              <a:t>the </a:t>
+            </a:r>
+            <a:r>
+              <a:rPr lang="en-US" sz="2000" dirty="0" smtClean="0"/>
+              <a:t>pacing </a:t>
+            </a:r>
+            <a:r>
+              <a:rPr lang="en-US" sz="2000" dirty="0" smtClean="0"/>
+              <a:t>rate) </a:t>
+            </a:r>
+            <a:r>
+              <a:rPr lang="en-US" sz="2000" dirty="0" smtClean="0"/>
+              <a:t>as the actuator in our controllers.</a:t>
             </a:r>
           </a:p>
           <a:p>
@@ -6352,7 +6404,19 @@
             </a:r>
             <a:r>
               <a:rPr lang="en-US" sz="2000" b="0" dirty="0" smtClean="0"/>
-              <a:t> for bid modification does not directly change spend, because win rate does not change linearly with bid multiplier</a:t>
+              <a:t> for bid modification does not directly change spend, </a:t>
+            </a:r>
+            <a:r>
+              <a:rPr lang="en-US" sz="2000" b="0" dirty="0" err="1" smtClean="0"/>
+              <a:t>sincewin</a:t>
+            </a:r>
+            <a:r>
+              <a:rPr lang="en-US" sz="2000" b="0" dirty="0" smtClean="0"/>
+              <a:t> </a:t>
+            </a:r>
+            <a:r>
+              <a:rPr lang="en-US" sz="2000" b="0" dirty="0" smtClean="0"/>
+              <a:t>rate does not change linearly with bid multiplier</a:t>
             </a:r>
             <a:endParaRPr lang="en-US" sz="2000" b="0" dirty="0"/>
           </a:p>
@@ -6663,11 +6727,15 @@
             </a:pPr>
             <a:r>
               <a:rPr lang="en-US" sz="2000" dirty="0"/>
-              <a:t>T</a:t>
-            </a:r>
-            <a:r>
-              <a:rPr lang="en-US" sz="2000" dirty="0" smtClean="0"/>
-              <a:t>ries to prioritize auctions that generate the best KPI (e.g. clicks)</a:t>
+              <a:t>P</a:t>
+            </a:r>
+            <a:r>
+              <a:rPr lang="en-US" sz="2000" dirty="0" smtClean="0"/>
+              <a:t>rioritize </a:t>
+            </a:r>
+            <a:r>
+              <a:rPr lang="en-US" sz="2000" dirty="0" smtClean="0"/>
+              <a:t>auctions that generate the best KPI (e.g. clicks)</a:t>
             </a:r>
           </a:p>
           <a:p>
@@ -6745,12 +6813,12 @@
               <a:t>If campaign is </a:t>
             </a:r>
             <a:r>
-              <a:rPr lang="en-US" sz="2000" dirty="0" err="1" smtClean="0"/>
-              <a:t>underspending</a:t>
-            </a:r>
-            <a:r>
-              <a:rPr lang="en-US" sz="2000" dirty="0" smtClean="0"/>
-              <a:t>, raise pacing rate from top down</a:t>
+              <a:rPr lang="en-US" sz="2000" dirty="0" smtClean="0"/>
+              <a:t>under spending, </a:t>
+            </a:r>
+            <a:r>
+              <a:rPr lang="en-US" sz="2000" dirty="0" smtClean="0"/>
+              <a:t>raise pacing rate from top down</a:t>
             </a:r>
           </a:p>
           <a:p>
@@ -7166,7 +7234,7 @@
             <a:pPr algn="ctr"/>
             <a:r>
               <a:rPr lang="en-US" sz="3500" dirty="0" smtClean="0"/>
-              <a:t>Evaluation</a:t>
+              <a:t>Evaluation Metrics</a:t>
             </a:r>
             <a:endParaRPr lang="en-US" sz="3500" dirty="0"/>
           </a:p>
@@ -7226,7 +7294,11 @@
           <a:p>
             <a:r>
               <a:rPr lang="en-US" dirty="0" smtClean="0"/>
-              <a:t>Evaluation by SPEND</a:t>
+              <a:t>Evaluation </a:t>
+            </a:r>
+            <a:r>
+              <a:rPr lang="en-US" dirty="0" smtClean="0"/>
+              <a:t>Metric: RMSE</a:t>
             </a:r>
             <a:endParaRPr lang="en-US" dirty="0"/>
           </a:p>
@@ -7359,7 +7431,11 @@
           <a:p>
             <a:r>
               <a:rPr lang="en-US" dirty="0" smtClean="0"/>
-              <a:t>Evaluation by EPEC</a:t>
+              <a:t>Evaluation </a:t>
+            </a:r>
+            <a:r>
+              <a:rPr lang="en-US" dirty="0" smtClean="0"/>
+              <a:t>METRIC: KPI </a:t>
             </a:r>
             <a:endParaRPr lang="en-US" dirty="0"/>
           </a:p>
@@ -7396,7 +7472,11 @@
             </a:r>
             <a:r>
               <a:rPr lang="en-US" sz="2000" dirty="0" smtClean="0"/>
-              <a:t> of campaign will remain stable</a:t>
+              <a:t> </a:t>
+            </a:r>
+            <a:r>
+              <a:rPr lang="en-US" sz="2000" dirty="0" smtClean="0"/>
+              <a:t>of campaign will remain stable</a:t>
             </a:r>
           </a:p>
         </p:txBody>
@@ -7541,8 +7621,13 @@
             </a:r>
             <a:r>
               <a:rPr lang="en-US" sz="2000" dirty="0" smtClean="0"/>
-              <a:t> KPI based pacing</a:t>
-            </a:r>
+              <a:t> </a:t>
+            </a:r>
+            <a:r>
+              <a:rPr lang="en-US" sz="2000" dirty="0" smtClean="0"/>
+              <a:t>KPI</a:t>
+            </a:r>
+            <a:endParaRPr lang="en-US" sz="2000" dirty="0" smtClean="0"/>
           </a:p>
           <a:p>
             <a:pPr lvl="3">
@@ -7561,8 +7646,9 @@
             </a:pPr>
             <a:r>
               <a:rPr lang="en-US" sz="2000" dirty="0" smtClean="0"/>
-              <a:t>Controller</a:t>
-            </a:r>
+              <a:t>Control Systems Engineering</a:t>
+            </a:r>
+            <a:endParaRPr lang="en-US" sz="2000" dirty="0" smtClean="0"/>
           </a:p>
           <a:p>
             <a:pPr lvl="3">
@@ -7609,18 +7695,9 @@
             </a:pPr>
             <a:r>
               <a:rPr lang="en-US" sz="2000" dirty="0" smtClean="0"/>
-              <a:t>Evaluation</a:t>
-            </a:r>
-          </a:p>
-          <a:p>
-            <a:pPr lvl="3">
-              <a:buFontTx/>
-              <a:buChar char="•"/>
-            </a:pPr>
-            <a:r>
-              <a:rPr lang="en-US" sz="2000" dirty="0" smtClean="0"/>
-              <a:t>Spend error</a:t>
-            </a:r>
+              <a:t>Evaluation metrics</a:t>
+            </a:r>
+            <a:endParaRPr lang="en-US" sz="2000" dirty="0" smtClean="0"/>
           </a:p>
         </p:txBody>
       </p:sp>
@@ -7673,17 +7750,18 @@
         </p:nvSpPr>
         <p:spPr>
           <a:xfrm>
-            <a:off x="2318737" y="2567093"/>
-            <a:ext cx="4426373" cy="548640"/>
+            <a:off x="1665111" y="2567093"/>
+            <a:ext cx="5771445" cy="548640"/>
           </a:xfrm>
         </p:spPr>
         <p:txBody>
           <a:bodyPr/>
           <a:lstStyle/>
           <a:p>
+            <a:pPr algn="ctr"/>
             <a:r>
               <a:rPr lang="en-US" sz="3500" dirty="0" smtClean="0"/>
-              <a:t>Why PACING IS HARD</a:t>
+              <a:t>Challenges With Pacing</a:t>
             </a:r>
             <a:endParaRPr lang="en-US" sz="3500" dirty="0"/>
           </a:p>
@@ -7743,7 +7821,7 @@
           <a:p>
             <a:r>
               <a:rPr lang="en-US" dirty="0" smtClean="0"/>
-              <a:t>Why Pacing is hard</a:t>
+              <a:t>Challenges WITH PACING</a:t>
             </a:r>
             <a:endParaRPr lang="en-US" dirty="0"/>
           </a:p>
@@ -7772,8 +7850,17 @@
             </a:pPr>
             <a:r>
               <a:rPr lang="en-US" sz="2000" dirty="0" smtClean="0"/>
-              <a:t>Advertisers prefer a smooth delivery of budget</a:t>
-            </a:r>
+              <a:t>Advertisers prefer </a:t>
+            </a:r>
+            <a:r>
+              <a:rPr lang="en-US" sz="2000" dirty="0" smtClean="0"/>
+              <a:t>campaign budgets to be spent </a:t>
+            </a:r>
+            <a:r>
+              <a:rPr lang="en-US" sz="2000" dirty="0" smtClean="0"/>
+              <a:t>smoothly</a:t>
+            </a:r>
+            <a:endParaRPr lang="en-US" sz="2000" dirty="0" smtClean="0"/>
           </a:p>
           <a:p>
             <a:pPr>
@@ -7782,7 +7869,15 @@
             </a:pPr>
             <a:r>
               <a:rPr lang="en-US" sz="2000" dirty="0" smtClean="0"/>
-              <a:t>Hard to implement in the real world</a:t>
+              <a:t>Hard to </a:t>
+            </a:r>
+            <a:r>
+              <a:rPr lang="en-US" sz="2000" dirty="0" smtClean="0"/>
+              <a:t>execute in </a:t>
+            </a:r>
+            <a:r>
+              <a:rPr lang="en-US" sz="2000" dirty="0" smtClean="0"/>
+              <a:t>the real world</a:t>
             </a:r>
             <a:endParaRPr lang="en-US" sz="2000" dirty="0"/>
           </a:p>
@@ -7890,8 +7985,9 @@
           <a:p>
             <a:r>
               <a:rPr lang="en-US" dirty="0"/>
-              <a:t>Why Pacing is hard</a:t>
-            </a:r>
+              <a:t>Challenges WITH PACING</a:t>
+            </a:r>
+            <a:endParaRPr lang="en-US" dirty="0"/>
           </a:p>
         </p:txBody>
       </p:sp>
@@ -7918,8 +8014,13 @@
             </a:pPr>
             <a:r>
               <a:rPr lang="en-US" sz="2000" dirty="0" smtClean="0"/>
-              <a:t>Traffic is not uniform</a:t>
-            </a:r>
+              <a:t>Traffic is </a:t>
+            </a:r>
+            <a:r>
+              <a:rPr lang="en-US" sz="2000" dirty="0" smtClean="0"/>
+              <a:t>highly variable</a:t>
+            </a:r>
+            <a:endParaRPr lang="en-US" sz="2000" dirty="0" smtClean="0"/>
           </a:p>
           <a:p>
             <a:pPr>
@@ -7928,8 +8029,29 @@
             </a:pPr>
             <a:r>
               <a:rPr lang="en-US" sz="2000" dirty="0" smtClean="0"/>
-              <a:t>Traffic is even more erratic on a per campaign basis</a:t>
-            </a:r>
+              <a:t>Even </a:t>
+            </a:r>
+            <a:r>
+              <a:rPr lang="en-US" sz="2000" dirty="0" smtClean="0"/>
+              <a:t>more </a:t>
+            </a:r>
+            <a:r>
+              <a:rPr lang="en-US" sz="2000" dirty="0" smtClean="0"/>
+              <a:t>erratic on a per </a:t>
+            </a:r>
+            <a:r>
+              <a:rPr lang="en-US" sz="2000" dirty="0" smtClean="0"/>
+              <a:t>campaign basis (</a:t>
+            </a:r>
+            <a:r>
+              <a:rPr lang="en-US" sz="2000" dirty="0" smtClean="0"/>
+              <a:t>i.e. </a:t>
+            </a:r>
+            <a:r>
+              <a:rPr lang="en-US" sz="2000" dirty="0" smtClean="0"/>
+              <a:t>site list, geo filter)</a:t>
+            </a:r>
+            <a:endParaRPr lang="en-US" sz="2000" dirty="0" smtClean="0"/>
           </a:p>
         </p:txBody>
       </p:sp>
@@ -8010,8 +8132,12 @@
           <a:lstStyle/>
           <a:p>
             <a:r>
+              <a:rPr lang="en-US" dirty="0"/>
+              <a:t>Challenges WITH PACING: </a:t>
+            </a:r>
+            <a:r>
               <a:rPr lang="en-US" dirty="0" smtClean="0"/>
-              <a:t>Why Pacing is hard: ideal performance</a:t>
+              <a:t>ideal</a:t>
             </a:r>
             <a:endParaRPr lang="en-US" dirty="0"/>
           </a:p>
